--- a/06machine_learning/Vim_Editor_Presentation.pptx
+++ b/06machine_learning/Vim_Editor_Presentation.pptx
@@ -308,7 +308,7 @@
           <a:p>
             <a:fld id="{5BCAD085-E8A6-8845-BD4E-CB4CCA059FC4}" type="datetimeFigureOut">
               <a:rPr lang="en-US" smtClean="0"/>
-              <a:t>9/3/2024</a:t>
+              <a:t>9/4/2024</a:t>
             </a:fld>
             <a:endParaRPr lang="en-US"/>
           </a:p>
@@ -476,7 +476,7 @@
           <a:p>
             <a:fld id="{5BCAD085-E8A6-8845-BD4E-CB4CCA059FC4}" type="datetimeFigureOut">
               <a:rPr lang="en-US" smtClean="0"/>
-              <a:t>9/3/2024</a:t>
+              <a:t>9/4/2024</a:t>
             </a:fld>
             <a:endParaRPr lang="en-US"/>
           </a:p>
@@ -654,7 +654,7 @@
           <a:p>
             <a:fld id="{5BCAD085-E8A6-8845-BD4E-CB4CCA059FC4}" type="datetimeFigureOut">
               <a:rPr lang="en-US" smtClean="0"/>
-              <a:t>9/3/2024</a:t>
+              <a:t>9/4/2024</a:t>
             </a:fld>
             <a:endParaRPr lang="en-US"/>
           </a:p>
@@ -822,7 +822,7 @@
           <a:p>
             <a:fld id="{5BCAD085-E8A6-8845-BD4E-CB4CCA059FC4}" type="datetimeFigureOut">
               <a:rPr lang="en-US" smtClean="0"/>
-              <a:t>9/3/2024</a:t>
+              <a:t>9/4/2024</a:t>
             </a:fld>
             <a:endParaRPr lang="en-US"/>
           </a:p>
@@ -1067,7 +1067,7 @@
           <a:p>
             <a:fld id="{5BCAD085-E8A6-8845-BD4E-CB4CCA059FC4}" type="datetimeFigureOut">
               <a:rPr lang="en-US" smtClean="0"/>
-              <a:t>9/3/2024</a:t>
+              <a:t>9/4/2024</a:t>
             </a:fld>
             <a:endParaRPr lang="en-US"/>
           </a:p>
@@ -1352,7 +1352,7 @@
           <a:p>
             <a:fld id="{5BCAD085-E8A6-8845-BD4E-CB4CCA059FC4}" type="datetimeFigureOut">
               <a:rPr lang="en-US" smtClean="0"/>
-              <a:t>9/3/2024</a:t>
+              <a:t>9/4/2024</a:t>
             </a:fld>
             <a:endParaRPr lang="en-US"/>
           </a:p>
@@ -1771,7 +1771,7 @@
           <a:p>
             <a:fld id="{5BCAD085-E8A6-8845-BD4E-CB4CCA059FC4}" type="datetimeFigureOut">
               <a:rPr lang="en-US" smtClean="0"/>
-              <a:t>9/3/2024</a:t>
+              <a:t>9/4/2024</a:t>
             </a:fld>
             <a:endParaRPr lang="en-US"/>
           </a:p>
@@ -1888,7 +1888,7 @@
           <a:p>
             <a:fld id="{5BCAD085-E8A6-8845-BD4E-CB4CCA059FC4}" type="datetimeFigureOut">
               <a:rPr lang="en-US" smtClean="0"/>
-              <a:t>9/3/2024</a:t>
+              <a:t>9/4/2024</a:t>
             </a:fld>
             <a:endParaRPr lang="en-US"/>
           </a:p>
@@ -1983,7 +1983,7 @@
           <a:p>
             <a:fld id="{5BCAD085-E8A6-8845-BD4E-CB4CCA059FC4}" type="datetimeFigureOut">
               <a:rPr lang="en-US" smtClean="0"/>
-              <a:t>9/3/2024</a:t>
+              <a:t>9/4/2024</a:t>
             </a:fld>
             <a:endParaRPr lang="en-US"/>
           </a:p>
@@ -2258,7 +2258,7 @@
           <a:p>
             <a:fld id="{5BCAD085-E8A6-8845-BD4E-CB4CCA059FC4}" type="datetimeFigureOut">
               <a:rPr lang="en-US" smtClean="0"/>
-              <a:t>9/3/2024</a:t>
+              <a:t>9/4/2024</a:t>
             </a:fld>
             <a:endParaRPr lang="en-US"/>
           </a:p>
@@ -2510,7 +2510,7 @@
           <a:p>
             <a:fld id="{5BCAD085-E8A6-8845-BD4E-CB4CCA059FC4}" type="datetimeFigureOut">
               <a:rPr lang="en-US" smtClean="0"/>
-              <a:t>9/3/2024</a:t>
+              <a:t>9/4/2024</a:t>
             </a:fld>
             <a:endParaRPr lang="en-US"/>
           </a:p>
@@ -2721,7 +2721,7 @@
           <a:p>
             <a:fld id="{5BCAD085-E8A6-8845-BD4E-CB4CCA059FC4}" type="datetimeFigureOut">
               <a:rPr lang="en-US" smtClean="0"/>
-              <a:t>9/3/2024</a:t>
+              <a:t>9/4/2024</a:t>
             </a:fld>
             <a:endParaRPr lang="en-US"/>
           </a:p>
@@ -3654,9 +3654,10 @@
               <a:t>모드</a:t>
             </a:r>
             <a:r>
-              <a:rPr dirty="0"/>
-              <a:t>.</a:t>
-            </a:r>
+              <a:rPr lang="en-US" altLang="ko-KR" dirty="0"/>
+              <a:t>(v)</a:t>
+            </a:r>
+            <a:endParaRPr dirty="0"/>
           </a:p>
         </p:txBody>
       </p:sp>
@@ -3952,16 +3953,59 @@
             </a:r>
             <a:r>
               <a:rPr dirty="0"/>
-              <a:t> (/ </a:t>
-            </a:r>
-            <a:r>
-              <a:rPr dirty="0" err="1"/>
-              <a:t>명령어</a:t>
-            </a:r>
-            <a:r>
-              <a:rPr dirty="0"/>
-              <a:t>).</a:t>
-            </a:r>
+              <a:t> (</a:t>
+            </a:r>
+            <a:r>
+              <a:rPr lang="en-US" altLang="ko-KR" dirty="0"/>
+              <a:t>?</a:t>
+            </a:r>
+            <a:r>
+              <a:rPr dirty="0"/>
+              <a:t> </a:t>
+            </a:r>
+            <a:r>
+              <a:rPr lang="ko-KR" altLang="en-US" dirty="0" err="1"/>
+              <a:t>찾을단어</a:t>
+            </a:r>
+            <a:r>
+              <a:rPr lang="ko-KR" altLang="en-US" dirty="0"/>
+              <a:t> 문서처음부터 아래로</a:t>
+            </a:r>
+            <a:r>
+              <a:rPr dirty="0"/>
+              <a:t>)</a:t>
+            </a:r>
+            <a:endParaRPr lang="en-US" altLang="ko-KR" dirty="0"/>
+          </a:p>
+          <a:p>
+            <a:pPr marL="0" indent="0">
+              <a:buNone/>
+            </a:pPr>
+            <a:r>
+              <a:rPr lang="en-US" altLang="ko-KR" dirty="0"/>
+              <a:t>• Find: </a:t>
+            </a:r>
+            <a:r>
+              <a:rPr lang="ko-KR" altLang="en-US" dirty="0"/>
+              <a:t>키워드 검색 </a:t>
+            </a:r>
+            <a:r>
+              <a:rPr lang="en-US" altLang="ko-KR" dirty="0"/>
+              <a:t>(/ </a:t>
+            </a:r>
+            <a:r>
+              <a:rPr lang="ko-KR" altLang="en-US" dirty="0" err="1"/>
+              <a:t>찾을단어</a:t>
+            </a:r>
+            <a:r>
+              <a:rPr lang="ko-KR" altLang="en-US" dirty="0"/>
+              <a:t> 아래에서 위로</a:t>
+            </a:r>
+            <a:r>
+              <a:rPr lang="en-US" altLang="ko-KR" dirty="0"/>
+              <a:t>)</a:t>
+            </a:r>
+            <a:endParaRPr lang="ko-KR" altLang="en-US" dirty="0"/>
           </a:p>
           <a:p>
             <a:pPr marL="0" indent="0">
